--- a/PCA_class_Debashis.pptx
+++ b/PCA_class_Debashis.pptx
@@ -130,7 +130,7 @@
 <file path=ppt/revisionInfo.xml><?xml version="1.0" encoding="utf-8"?>
 <p1510:revInfo xmlns:a="http://schemas.openxmlformats.org/drawingml/2006/main" xmlns:r="http://schemas.openxmlformats.org/officeDocument/2006/relationships" xmlns:p1510="http://schemas.microsoft.com/office/powerpoint/2015/10/main">
   <p1510:revLst>
-    <p1510:client id="{DCB82B7B-7A70-8F4C-820B-7B5EBCACD75F}" v="233" dt="2022-03-26T00:10:12.737"/>
+    <p1510:client id="{DCB82B7B-7A70-8F4C-820B-7B5EBCACD75F}" v="237" dt="2022-03-26T00:15:04.752"/>
   </p1510:revLst>
 </p1510:revInfo>
 </file>
@@ -5736,12 +5736,14 @@
         </p:nvSpPr>
         <p:spPr>
           <a:xfrm>
-            <a:off x="5520906" y="2883066"/>
-            <a:ext cx="5201478" cy="685800"/>
-          </a:xfrm>
-        </p:spPr>
-        <p:txBody>
-          <a:bodyPr/>
+            <a:off x="4080293" y="3020167"/>
+            <a:ext cx="5201478" cy="817666"/>
+          </a:xfrm>
+        </p:spPr>
+        <p:txBody>
+          <a:bodyPr>
+            <a:normAutofit/>
+          </a:bodyPr>
           <a:lstStyle/>
           <a:p>
             <a:r>
@@ -5757,6 +5759,22 @@
               <a:t> Paul</a:t>
             </a:r>
           </a:p>
+          <a:p>
+            <a:r>
+              <a:rPr lang="en-US" dirty="0"/>
+              <a:t>Paper link: </a:t>
+            </a:r>
+            <a:r>
+              <a:rPr lang="en-US" dirty="0">
+                <a:hlinkClick r:id="rId2"/>
+              </a:rPr>
+              <a:t>https://tinyurl.com/3u2pwyrc</a:t>
+            </a:r>
+            <a:endParaRPr lang="en-US" dirty="0"/>
+          </a:p>
+          <a:p>
+            <a:endParaRPr lang="en-US" dirty="0"/>
+          </a:p>
         </p:txBody>
       </p:sp>
       <p:sp>
@@ -5773,8 +5791,8 @@
         </p:nvSpPr>
         <p:spPr>
           <a:xfrm>
-            <a:off x="5520906" y="3359989"/>
-            <a:ext cx="7139796" cy="923330"/>
+            <a:off x="4080293" y="3844616"/>
+            <a:ext cx="7139796" cy="646331"/>
           </a:xfrm>
           <a:prstGeom prst="rect">
             <a:avLst/>
@@ -5789,32 +5807,28 @@
           <a:p>
             <a:r>
               <a:rPr lang="en-US" dirty="0"/>
+              <a:t>PPT link: </a:t>
+            </a:r>
+            <a:r>
+              <a:rPr lang="en-US" dirty="0">
+                <a:hlinkClick r:id="rId3"/>
+              </a:rPr>
+              <a:t>https://github.com/sealx017/High-dimensional-PCA</a:t>
+            </a:r>
+            <a:endParaRPr lang="en-US" dirty="0"/>
+          </a:p>
+          <a:p>
+            <a:r>
+              <a:rPr lang="en-US" dirty="0"/>
               <a:t>Presented by </a:t>
             </a:r>
             <a:r>
-              <a:rPr lang="en-US" dirty="0" err="1"/>
+              <a:rPr lang="en-US" i="1" dirty="0" err="1"/>
               <a:t>Souvik</a:t>
             </a:r>
             <a:r>
-              <a:rPr lang="en-US" dirty="0"/>
+              <a:rPr lang="en-US" i="1" dirty="0"/>
               <a:t> Seal</a:t>
-            </a:r>
-          </a:p>
-          <a:p>
-            <a:endParaRPr lang="en-US" dirty="0"/>
-          </a:p>
-          <a:p>
-            <a:r>
-              <a:rPr lang="en-US" dirty="0"/>
-              <a:t>https://</a:t>
-            </a:r>
-            <a:r>
-              <a:rPr lang="en-US" dirty="0" err="1"/>
-              <a:t>github.com</a:t>
-            </a:r>
-            <a:r>
-              <a:rPr lang="en-US" dirty="0"/>
-              <a:t>/sealx017/High-dimensional-PCA</a:t>
             </a:r>
           </a:p>
         </p:txBody>

--- a/PCA_class_Debashis.pptx
+++ b/PCA_class_Debashis.pptx
@@ -130,7 +130,7 @@
 <file path=ppt/revisionInfo.xml><?xml version="1.0" encoding="utf-8"?>
 <p1510:revInfo xmlns:a="http://schemas.openxmlformats.org/drawingml/2006/main" xmlns:r="http://schemas.openxmlformats.org/officeDocument/2006/relationships" xmlns:p1510="http://schemas.microsoft.com/office/powerpoint/2015/10/main">
   <p1510:revLst>
-    <p1510:client id="{DCB82B7B-7A70-8F4C-820B-7B5EBCACD75F}" v="237" dt="2022-03-26T00:15:04.752"/>
+    <p1510:client id="{DCB82B7B-7A70-8F4C-820B-7B5EBCACD75F}" v="245" dt="2022-03-27T20:11:36.999"/>
   </p1510:revLst>
 </p1510:revInfo>
 </file>
@@ -10475,18 +10475,26 @@
           </a:xfrm>
         </p:spPr>
         <p:txBody>
-          <a:bodyPr/>
+          <a:bodyPr>
+            <a:normAutofit/>
+          </a:bodyPr>
           <a:lstStyle/>
           <a:p>
             <a:r>
               <a:rPr lang="en-US" dirty="0"/>
-              <a:t>Focus on a population eigen-decomposition, </a:t>
-            </a:r>
-          </a:p>
-          <a:p>
-            <a:endParaRPr lang="en-US" dirty="0"/>
-          </a:p>
-          <a:p>
+              <a:t>Focus on the population covariance and its eigen-decomposition.</a:t>
+            </a:r>
+          </a:p>
+          <a:p>
+            <a:r>
+              <a:rPr lang="en-US" dirty="0"/>
+              <a:t>A base covariance matrix + a low rank perturbation,  </a:t>
+            </a:r>
+          </a:p>
+          <a:p>
+            <a:pPr marL="0" indent="0">
+              <a:buNone/>
+            </a:pPr>
             <a:endParaRPr lang="en-US" dirty="0"/>
           </a:p>
           <a:p>
@@ -10502,6 +10510,12 @@
             <a:r>
               <a:rPr lang="en-US" dirty="0"/>
               <a:t>   are unknown. </a:t>
+            </a:r>
+          </a:p>
+          <a:p>
+            <a:r>
+              <a:rPr lang="en-US" dirty="0"/>
+              <a:t>The rank K is small, (and stays fixed in asymptotic models as p and n grow).</a:t>
             </a:r>
           </a:p>
           <a:p>
@@ -10588,7 +10602,7 @@
         </p:blipFill>
         <p:spPr>
           <a:xfrm>
-            <a:off x="4393657" y="3657317"/>
+            <a:off x="4428369" y="4076960"/>
             <a:ext cx="1183926" cy="335968"/>
           </a:xfrm>
           <a:prstGeom prst="rect">
@@ -10618,8 +10632,8 @@
         </p:blipFill>
         <p:spPr>
           <a:xfrm>
-            <a:off x="5136806" y="1812160"/>
-            <a:ext cx="2869850" cy="948151"/>
+            <a:off x="8272732" y="1811290"/>
+            <a:ext cx="2664125" cy="736038"/>
           </a:xfrm>
           <a:prstGeom prst="rect">
             <a:avLst/>
@@ -10753,7 +10767,7 @@
           <a:p>
             <a:r>
               <a:rPr lang="en-US" dirty="0"/>
-              <a:t>The signal measured in the </a:t>
+              <a:t>In electrocardiogram (ECG) traces, the signal measured in the </a:t>
             </a:r>
             <a:r>
               <a:rPr lang="en-US" dirty="0" err="1"/>
@@ -10839,10 +10853,10 @@
       </p:pic>
       <p:pic>
         <p:nvPicPr>
-          <p:cNvPr id="8" name="Picture 7">
-            <a:extLst>
-              <a:ext uri="{FF2B5EF4-FFF2-40B4-BE49-F238E27FC236}">
-                <a16:creationId xmlns:a16="http://schemas.microsoft.com/office/drawing/2014/main" id="{2505C0F7-9C4B-5043-AAE8-583E7AF57A67}"/>
+          <p:cNvPr id="10" name="Picture 9" descr="Text&#10;&#10;Description automatically generated">
+            <a:extLst>
+              <a:ext uri="{FF2B5EF4-FFF2-40B4-BE49-F238E27FC236}">
+                <a16:creationId xmlns:a16="http://schemas.microsoft.com/office/drawing/2014/main" id="{F19557B0-6E4A-4B4D-9050-7C53D68D68BE}"/>
               </a:ext>
             </a:extLst>
           </p:cNvPr>
@@ -10859,8 +10873,8 @@
         </p:blipFill>
         <p:spPr>
           <a:xfrm>
-            <a:off x="10551798" y="3368946"/>
-            <a:ext cx="411413" cy="370272"/>
+            <a:off x="1940943" y="4135703"/>
+            <a:ext cx="8393502" cy="2532516"/>
           </a:xfrm>
           <a:prstGeom prst="rect">
             <a:avLst/>
@@ -10869,10 +10883,10 @@
       </p:pic>
       <p:pic>
         <p:nvPicPr>
-          <p:cNvPr id="10" name="Picture 9" descr="Text&#10;&#10;Description automatically generated">
-            <a:extLst>
-              <a:ext uri="{FF2B5EF4-FFF2-40B4-BE49-F238E27FC236}">
-                <a16:creationId xmlns:a16="http://schemas.microsoft.com/office/drawing/2014/main" id="{F19557B0-6E4A-4B4D-9050-7C53D68D68BE}"/>
+          <p:cNvPr id="11" name="Picture 10">
+            <a:extLst>
+              <a:ext uri="{FF2B5EF4-FFF2-40B4-BE49-F238E27FC236}">
+                <a16:creationId xmlns:a16="http://schemas.microsoft.com/office/drawing/2014/main" id="{E2054A9C-8D14-694C-810B-D4484402E3CF}"/>
               </a:ext>
             </a:extLst>
           </p:cNvPr>
@@ -10889,8 +10903,8 @@
         </p:blipFill>
         <p:spPr>
           <a:xfrm>
-            <a:off x="1940943" y="4135703"/>
-            <a:ext cx="8393502" cy="2532516"/>
+            <a:off x="4383156" y="2112064"/>
+            <a:ext cx="3821044" cy="899069"/>
           </a:xfrm>
           <a:prstGeom prst="rect">
             <a:avLst/>
@@ -10899,10 +10913,10 @@
       </p:pic>
       <p:pic>
         <p:nvPicPr>
-          <p:cNvPr id="11" name="Picture 10">
-            <a:extLst>
-              <a:ext uri="{FF2B5EF4-FFF2-40B4-BE49-F238E27FC236}">
-                <a16:creationId xmlns:a16="http://schemas.microsoft.com/office/drawing/2014/main" id="{E2054A9C-8D14-694C-810B-D4484402E3CF}"/>
+          <p:cNvPr id="12" name="Picture 11">
+            <a:extLst>
+              <a:ext uri="{FF2B5EF4-FFF2-40B4-BE49-F238E27FC236}">
+                <a16:creationId xmlns:a16="http://schemas.microsoft.com/office/drawing/2014/main" id="{D2DF9B5E-2897-CF4C-8507-D9ADB37D6586}"/>
               </a:ext>
             </a:extLst>
           </p:cNvPr>
@@ -10919,8 +10933,8 @@
         </p:blipFill>
         <p:spPr>
           <a:xfrm>
-            <a:off x="4383156" y="2112064"/>
-            <a:ext cx="3821044" cy="899069"/>
+            <a:off x="10637119" y="3417497"/>
+            <a:ext cx="215421" cy="267419"/>
           </a:xfrm>
           <a:prstGeom prst="rect">
             <a:avLst/>
@@ -11018,7 +11032,7 @@
           <a:p>
             <a:r>
               <a:rPr lang="en-US" dirty="0"/>
-              <a:t>Define,                    . Wishart showed that </a:t>
+              <a:t>Define,                    .  Assuming                           Wishart showed that </a:t>
             </a:r>
           </a:p>
           <a:p>
@@ -11123,7 +11137,7 @@
         </p:blipFill>
         <p:spPr>
           <a:xfrm>
-            <a:off x="6530672" y="1578634"/>
+            <a:off x="1214303" y="2377892"/>
             <a:ext cx="1980006" cy="372309"/>
           </a:xfrm>
           <a:prstGeom prst="rect">
@@ -11153,7 +11167,7 @@
         </p:blipFill>
         <p:spPr>
           <a:xfrm>
-            <a:off x="2576422" y="2165298"/>
+            <a:off x="3570917" y="2171842"/>
             <a:ext cx="7259966" cy="778780"/>
           </a:xfrm>
           <a:prstGeom prst="rect">
@@ -11425,6 +11439,36 @@
           <a:xfrm>
             <a:off x="5893157" y="5466429"/>
             <a:ext cx="866871" cy="283235"/>
+          </a:xfrm>
+          <a:prstGeom prst="rect">
+            <a:avLst/>
+          </a:prstGeom>
+        </p:spPr>
+      </p:pic>
+      <p:pic>
+        <p:nvPicPr>
+          <p:cNvPr id="21" name="Picture 20">
+            <a:extLst>
+              <a:ext uri="{FF2B5EF4-FFF2-40B4-BE49-F238E27FC236}">
+                <a16:creationId xmlns:a16="http://schemas.microsoft.com/office/drawing/2014/main" id="{1CA6F392-7ACB-1E46-BB3F-8DA05B8ADEB4}"/>
+              </a:ext>
+            </a:extLst>
+          </p:cNvPr>
+          <p:cNvPicPr>
+            <a:picLocks noChangeAspect="1"/>
+          </p:cNvPicPr>
+          <p:nvPr/>
+        </p:nvPicPr>
+        <p:blipFill>
+          <a:blip r:embed="rId14"/>
+          <a:stretch>
+            <a:fillRect/>
+          </a:stretch>
+        </p:blipFill>
+        <p:spPr>
+          <a:xfrm>
+            <a:off x="5105996" y="1603838"/>
+            <a:ext cx="1980008" cy="372309"/>
           </a:xfrm>
           <a:prstGeom prst="rect">
             <a:avLst/>
